--- a/PB13209115 李京 毕业答辩.pptx
+++ b/PB13209115 李京 毕业答辩.pptx
@@ -115,7 +115,16 @@
       </a:defRPr>
     </a:lvl9pPr>
   </p:defaultTextStyle>
+  <p:extLst>
+    <p:ext uri="{EFAFB233-063F-42B5-8137-9DF3F51BA10A}">
+      <p15:sldGuideLst xmlns:p15="http://schemas.microsoft.com/office/powerpoint/2012/main"/>
+    </p:ext>
+  </p:extLst>
 </p:presentation>
+</file>
+
+<file path=ppt/revisionInfo.xml><?xml version="1.0" encoding="utf-8"?>
+<p1510:revInfo xmlns:a="http://schemas.openxmlformats.org/drawingml/2006/main" xmlns:r="http://schemas.openxmlformats.org/officeDocument/2006/relationships" xmlns:p1510="http://schemas.microsoft.com/office/powerpoint/2015/10/main"/>
 </file>
 
 <file path=ppt/notesMasters/notesMaster1.xml><?xml version="1.0" encoding="utf-8"?>
@@ -2270,7 +2279,7 @@
         </p:nvSpPr>
         <p:spPr>
           <a:xfrm>
-            <a:off x="3165443" y="1503570"/>
+            <a:off x="3165443" y="5734982"/>
             <a:ext cx="5772586" cy="647272"/>
           </a:xfrm>
           <a:prstGeom prst="rect">
@@ -2462,6 +2471,36 @@
           </a:p>
         </p:txBody>
       </p:sp>
+      <p:pic>
+        <p:nvPicPr>
+          <p:cNvPr id="3" name="图片 2"/>
+          <p:cNvPicPr>
+            <a:picLocks noChangeAspect="1"/>
+          </p:cNvPicPr>
+          <p:nvPr/>
+        </p:nvPicPr>
+        <p:blipFill>
+          <a:blip r:embed="rId2">
+            <a:extLst>
+              <a:ext uri="{28A0092B-C50C-407E-A947-70E740481C1C}">
+                <a14:useLocalDpi xmlns:a14="http://schemas.microsoft.com/office/drawing/2010/main" val="0"/>
+              </a:ext>
+            </a:extLst>
+          </a:blip>
+          <a:stretch>
+            <a:fillRect/>
+          </a:stretch>
+        </p:blipFill>
+        <p:spPr>
+          <a:xfrm>
+            <a:off x="4883522" y="2949083"/>
+            <a:ext cx="2336428" cy="2336428"/>
+          </a:xfrm>
+          <a:prstGeom prst="rect">
+            <a:avLst/>
+          </a:prstGeom>
+        </p:spPr>
+      </p:pic>
     </p:spTree>
     <p:extLst>
       <p:ext uri="{BB962C8B-B14F-4D97-AF65-F5344CB8AC3E}">
@@ -2879,7 +2918,7 @@
         </p:nvSpPr>
         <p:spPr>
           <a:xfrm>
-            <a:off x="873760" y="-264160"/>
+            <a:off x="873760" y="-274384"/>
             <a:ext cx="4958080" cy="1881242"/>
           </a:xfrm>
           <a:prstGeom prst="rect">
@@ -3071,14 +3110,14 @@
   <p:clrMapOvr>
     <a:masterClrMapping/>
   </p:clrMapOvr>
-  <mc:AlternateContent xmlns:mc="http://schemas.openxmlformats.org/markup-compatibility/2006" xmlns:p14="http://schemas.microsoft.com/office/powerpoint/2010/main">
-    <mc:Choice Requires="p14">
-      <p:transition spd="slow" p14:dur="1250">
-        <p14:flip dir="r"/>
+  <mc:AlternateContent xmlns:mc="http://schemas.openxmlformats.org/markup-compatibility/2006">
+    <mc:Choice xmlns:p14="http://schemas.microsoft.com/office/powerpoint/2010/main" Requires="p14">
+      <p:transition spd="med" p14:dur="700">
+        <p:fade/>
       </p:transition>
     </mc:Choice>
-    <mc:Fallback xmlns="">
-      <p:transition spd="slow">
+    <mc:Fallback>
+      <p:transition spd="med">
         <p:fade/>
       </p:transition>
     </mc:Fallback>
@@ -3095,6 +3134,9 @@
                     <p:cTn id="3" fill="hold">
                       <p:stCondLst>
                         <p:cond delay="indefinite"/>
+                        <p:cond evt="onBegin" delay="0">
+                          <p:tn val="2"/>
+                        </p:cond>
                       </p:stCondLst>
                       <p:childTnLst>
                         <p:par>
@@ -3104,7 +3146,7 @@
                             </p:stCondLst>
                             <p:childTnLst>
                               <p:par>
-                                <p:cTn id="5" presetID="2" presetClass="entr" presetSubtype="8" fill="hold" grpId="0" nodeType="clickEffect">
+                                <p:cTn id="5" presetID="2" presetClass="entr" presetSubtype="8" fill="hold" grpId="0" nodeType="afterEffect">
                                   <p:stCondLst>
                                     <p:cond delay="0"/>
                                   </p:stCondLst>
@@ -3211,7 +3253,7 @@
                                     </p:set>
                                     <p:animEffect transition="in" filter="wipe(left)">
                                       <p:cBhvr>
-                                        <p:cTn id="12" dur="500"/>
+                                        <p:cTn id="12" dur="750"/>
                                         <p:tgtEl>
                                           <p:spTgt spid="7"/>
                                         </p:tgtEl>
@@ -3221,7 +3263,7 @@
                                 </p:cTn>
                               </p:par>
                               <p:par>
-                                <p:cTn id="13" presetID="10" presetClass="entr" presetSubtype="0" fill="hold" grpId="0" nodeType="withEffect">
+                                <p:cTn id="13" presetID="22" presetClass="entr" presetSubtype="8" fill="hold" grpId="0" nodeType="withEffect">
                                   <p:stCondLst>
                                     <p:cond delay="0"/>
                                   </p:stCondLst>
@@ -3248,7 +3290,7 @@
                                         <p:strVal val="visible"/>
                                       </p:to>
                                     </p:set>
-                                    <p:animEffect transition="in" filter="fade">
+                                    <p:animEffect transition="in" filter="wipe(left)">
                                       <p:cBhvr>
                                         <p:cTn id="15" dur="500"/>
                                         <p:tgtEl>
@@ -3264,7 +3306,7 @@
                                 </p:cTn>
                               </p:par>
                               <p:par>
-                                <p:cTn id="16" presetID="10" presetClass="entr" presetSubtype="0" fill="hold" grpId="0" nodeType="withEffect">
+                                <p:cTn id="16" presetID="1" presetClass="entr" presetSubtype="0" fill="hold" grpId="0" nodeType="withEffect">
                                   <p:stCondLst>
                                     <p:cond delay="0"/>
                                   </p:stCondLst>
@@ -3287,26 +3329,18 @@
                                         <p:strVal val="visible"/>
                                       </p:to>
                                     </p:set>
-                                    <p:animEffect transition="in" filter="fade">
-                                      <p:cBhvr>
-                                        <p:cTn id="18" dur="500"/>
-                                        <p:tgtEl>
-                                          <p:spTgt spid="16"/>
-                                        </p:tgtEl>
-                                      </p:cBhvr>
-                                    </p:animEffect>
                                   </p:childTnLst>
                                 </p:cTn>
                               </p:par>
                               <p:par>
-                                <p:cTn id="19" presetID="47" presetClass="entr" presetSubtype="0" fill="hold" nodeType="withEffect">
+                                <p:cTn id="18" presetID="47" presetClass="entr" presetSubtype="0" fill="hold" nodeType="withEffect">
                                   <p:stCondLst>
                                     <p:cond delay="0"/>
                                   </p:stCondLst>
                                   <p:childTnLst>
                                     <p:set>
                                       <p:cBhvr>
-                                        <p:cTn id="20" dur="1" fill="hold">
+                                        <p:cTn id="19" dur="1" fill="hold">
                                           <p:stCondLst>
                                             <p:cond delay="0"/>
                                           </p:stCondLst>
@@ -3328,7 +3362,7 @@
                                     </p:set>
                                     <p:animEffect transition="in" filter="fade">
                                       <p:cBhvr>
-                                        <p:cTn id="21" dur="500"/>
+                                        <p:cTn id="20" dur="500"/>
                                         <p:tgtEl>
                                           <p:spTgt spid="3">
                                             <p:txEl>
@@ -3340,7 +3374,7 @@
                                     </p:animEffect>
                                     <p:anim calcmode="lin" valueType="num">
                                       <p:cBhvr>
-                                        <p:cTn id="22" dur="500" fill="hold"/>
+                                        <p:cTn id="21" dur="500" fill="hold"/>
                                         <p:tgtEl>
                                           <p:spTgt spid="3">
                                             <p:txEl>
@@ -3367,7 +3401,7 @@
                                     </p:anim>
                                     <p:anim calcmode="lin" valueType="num">
                                       <p:cBhvr>
-                                        <p:cTn id="23" dur="500" fill="hold"/>
+                                        <p:cTn id="22" dur="500" fill="hold"/>
                                         <p:tgtEl>
                                           <p:spTgt spid="3">
                                             <p:txEl>
@@ -3396,14 +3430,14 @@
                                 </p:cTn>
                               </p:par>
                               <p:par>
-                                <p:cTn id="24" presetID="47" presetClass="entr" presetSubtype="0" fill="hold" nodeType="withEffect">
+                                <p:cTn id="23" presetID="47" presetClass="entr" presetSubtype="0" fill="hold" nodeType="withEffect">
                                   <p:stCondLst>
                                     <p:cond delay="0"/>
                                   </p:stCondLst>
                                   <p:childTnLst>
                                     <p:set>
                                       <p:cBhvr>
-                                        <p:cTn id="25" dur="1" fill="hold">
+                                        <p:cTn id="24" dur="1" fill="hold">
                                           <p:stCondLst>
                                             <p:cond delay="0"/>
                                           </p:stCondLst>
@@ -3425,7 +3459,7 @@
                                     </p:set>
                                     <p:animEffect transition="in" filter="fade">
                                       <p:cBhvr>
-                                        <p:cTn id="26" dur="500"/>
+                                        <p:cTn id="25" dur="500"/>
                                         <p:tgtEl>
                                           <p:spTgt spid="3">
                                             <p:txEl>
@@ -3437,7 +3471,7 @@
                                     </p:animEffect>
                                     <p:anim calcmode="lin" valueType="num">
                                       <p:cBhvr>
-                                        <p:cTn id="27" dur="500" fill="hold"/>
+                                        <p:cTn id="26" dur="500" fill="hold"/>
                                         <p:tgtEl>
                                           <p:spTgt spid="3">
                                             <p:txEl>
@@ -3464,7 +3498,7 @@
                                     </p:anim>
                                     <p:anim calcmode="lin" valueType="num">
                                       <p:cBhvr>
-                                        <p:cTn id="28" dur="500" fill="hold"/>
+                                        <p:cTn id="27" dur="500" fill="hold"/>
                                         <p:tgtEl>
                                           <p:spTgt spid="3">
                                             <p:txEl>
@@ -3496,13 +3530,13 @@
                           </p:cTn>
                         </p:par>
                         <p:par>
-                          <p:cTn id="29" fill="hold">
+                          <p:cTn id="28" fill="hold">
                             <p:stCondLst>
-                              <p:cond delay="1000"/>
+                              <p:cond delay="1250"/>
                             </p:stCondLst>
                             <p:childTnLst>
                               <p:par>
-                                <p:cTn id="30" presetID="10" presetClass="entr" presetSubtype="0" fill="hold" grpId="0" nodeType="afterEffect">
+                                <p:cTn id="29" presetID="10" presetClass="entr" presetSubtype="0" fill="hold" grpId="0" nodeType="afterEffect">
                                   <p:stCondLst>
                                     <p:cond delay="0"/>
                                   </p:stCondLst>
@@ -3512,7 +3546,7 @@
                                   <p:childTnLst>
                                     <p:set>
                                       <p:cBhvr>
-                                        <p:cTn id="31" dur="1" fill="hold">
+                                        <p:cTn id="30" dur="1" fill="hold">
                                           <p:stCondLst>
                                             <p:cond delay="0"/>
                                           </p:stCondLst>
@@ -3530,7 +3564,7 @@
                                     </p:set>
                                     <p:animEffect transition="in" filter="fade">
                                       <p:cBhvr>
-                                        <p:cTn id="32" dur="500"/>
+                                        <p:cTn id="31" dur="500"/>
                                         <p:tgtEl>
                                           <p:spTgt spid="5"/>
                                         </p:tgtEl>
@@ -3543,13 +3577,13 @@
                           </p:cTn>
                         </p:par>
                         <p:par>
-                          <p:cTn id="33" fill="hold">
+                          <p:cTn id="32" fill="hold">
                             <p:stCondLst>
-                              <p:cond delay="1900"/>
+                              <p:cond delay="2150"/>
                             </p:stCondLst>
                             <p:childTnLst>
                               <p:par>
-                                <p:cTn id="34" presetID="10" presetClass="entr" presetSubtype="0" fill="hold" grpId="0" nodeType="afterEffect">
+                                <p:cTn id="33" presetID="10" presetClass="entr" presetSubtype="0" fill="hold" nodeType="afterEffect">
                                   <p:stCondLst>
                                     <p:cond delay="0"/>
                                   </p:stCondLst>
@@ -3559,7 +3593,7 @@
                                   <p:childTnLst>
                                     <p:set>
                                       <p:cBhvr>
-                                        <p:cTn id="35" dur="1" fill="hold">
+                                        <p:cTn id="34" dur="1" fill="hold">
                                           <p:stCondLst>
                                             <p:cond delay="0"/>
                                           </p:stCondLst>
@@ -3581,7 +3615,7 @@
                                     </p:set>
                                     <p:animEffect transition="in" filter="fade">
                                       <p:cBhvr>
-                                        <p:cTn id="36" dur="500"/>
+                                        <p:cTn id="35" dur="500"/>
                                         <p:tgtEl>
                                           <p:spTgt spid="4">
                                             <p:txEl>
@@ -3594,19 +3628,10 @@
                                   </p:childTnLst>
                                 </p:cTn>
                               </p:par>
-                            </p:childTnLst>
-                          </p:cTn>
-                        </p:par>
-                        <p:par>
-                          <p:cTn id="37" fill="hold">
-                            <p:stCondLst>
-                              <p:cond delay="2700"/>
-                            </p:stCondLst>
-                            <p:childTnLst>
                               <p:par>
-                                <p:cTn id="38" presetID="10" presetClass="entr" presetSubtype="0" fill="hold" grpId="0" nodeType="afterEffect">
+                                <p:cTn id="36" presetID="10" presetClass="entr" presetSubtype="0" fill="hold" nodeType="withEffect">
                                   <p:stCondLst>
-                                    <p:cond delay="0"/>
+                                    <p:cond delay="500"/>
                                   </p:stCondLst>
                                   <p:iterate type="wd">
                                     <p:tmPct val="10000"/>
@@ -3614,7 +3639,7 @@
                                   <p:childTnLst>
                                     <p:set>
                                       <p:cBhvr>
-                                        <p:cTn id="39" dur="1" fill="hold">
+                                        <p:cTn id="37" dur="1" fill="hold">
                                           <p:stCondLst>
                                             <p:cond delay="0"/>
                                           </p:stCondLst>
@@ -3636,7 +3661,7 @@
                                     </p:set>
                                     <p:animEffect transition="in" filter="fade">
                                       <p:cBhvr>
-                                        <p:cTn id="40" dur="500"/>
+                                        <p:cTn id="38" dur="500"/>
                                         <p:tgtEl>
                                           <p:spTgt spid="4">
                                             <p:txEl>
@@ -3649,19 +3674,10 @@
                                   </p:childTnLst>
                                 </p:cTn>
                               </p:par>
-                            </p:childTnLst>
-                          </p:cTn>
-                        </p:par>
-                        <p:par>
-                          <p:cTn id="41" fill="hold">
-                            <p:stCondLst>
-                              <p:cond delay="3400"/>
-                            </p:stCondLst>
-                            <p:childTnLst>
                               <p:par>
-                                <p:cTn id="42" presetID="10" presetClass="entr" presetSubtype="0" fill="hold" grpId="0" nodeType="afterEffect">
+                                <p:cTn id="39" presetID="10" presetClass="entr" presetSubtype="0" fill="hold" nodeType="withEffect">
                                   <p:stCondLst>
-                                    <p:cond delay="0"/>
+                                    <p:cond delay="1000"/>
                                   </p:stCondLst>
                                   <p:iterate type="wd">
                                     <p:tmPct val="10000"/>
@@ -3669,7 +3685,7 @@
                                   <p:childTnLst>
                                     <p:set>
                                       <p:cBhvr>
-                                        <p:cTn id="43" dur="1" fill="hold">
+                                        <p:cTn id="40" dur="1" fill="hold">
                                           <p:stCondLst>
                                             <p:cond delay="0"/>
                                           </p:stCondLst>
@@ -3691,7 +3707,7 @@
                                     </p:set>
                                     <p:animEffect transition="in" filter="fade">
                                       <p:cBhvr>
-                                        <p:cTn id="44" dur="500"/>
+                                        <p:cTn id="41" dur="500"/>
                                         <p:tgtEl>
                                           <p:spTgt spid="4">
                                             <p:txEl>
@@ -3708,20 +3724,20 @@
                           </p:cTn>
                         </p:par>
                         <p:par>
-                          <p:cTn id="45" fill="hold">
+                          <p:cTn id="42" fill="hold">
                             <p:stCondLst>
-                              <p:cond delay="4100"/>
+                              <p:cond delay="3850"/>
                             </p:stCondLst>
                             <p:childTnLst>
                               <p:par>
-                                <p:cTn id="46" presetID="10" presetClass="entr" presetSubtype="0" fill="hold" nodeType="afterEffect">
+                                <p:cTn id="43" presetID="10" presetClass="entr" presetSubtype="0" fill="hold" nodeType="afterEffect">
                                   <p:stCondLst>
                                     <p:cond delay="0"/>
                                   </p:stCondLst>
                                   <p:childTnLst>
                                     <p:set>
                                       <p:cBhvr>
-                                        <p:cTn id="47" dur="1" fill="hold">
+                                        <p:cTn id="44" dur="1" fill="hold">
                                           <p:stCondLst>
                                             <p:cond delay="0"/>
                                           </p:stCondLst>
@@ -3739,7 +3755,7 @@
                                     </p:set>
                                     <p:animEffect transition="in" filter="fade">
                                       <p:cBhvr>
-                                        <p:cTn id="48" dur="500"/>
+                                        <p:cTn id="45" dur="500"/>
                                         <p:tgtEl>
                                           <p:spTgt spid="15"/>
                                         </p:tgtEl>
@@ -3777,7 +3793,6 @@
     </p:tnLst>
     <p:bldLst>
       <p:bldP spid="8" grpId="0" animBg="1"/>
-      <p:bldP spid="4" grpId="0" build="p"/>
       <p:bldP spid="5" grpId="0"/>
       <p:bldP spid="16" grpId="0" animBg="1"/>
       <p:bldP spid="2" grpId="0" build="p"/>
@@ -4132,13 +4147,13 @@
   <p:clrMapOvr>
     <a:masterClrMapping/>
   </p:clrMapOvr>
-  <mc:AlternateContent xmlns:mc="http://schemas.openxmlformats.org/markup-compatibility/2006" xmlns:p14="http://schemas.microsoft.com/office/powerpoint/2010/main">
-    <mc:Choice Requires="p14">
-      <p:transition spd="slow" p14:dur="1250">
-        <p14:switch dir="r"/>
+  <mc:AlternateContent xmlns:mc="http://schemas.openxmlformats.org/markup-compatibility/2006">
+    <mc:Choice xmlns:p14="http://schemas.microsoft.com/office/powerpoint/2010/main" Requires="p14">
+      <p:transition spd="slow">
+        <p14:prism isInverted="1"/>
       </p:transition>
     </mc:Choice>
-    <mc:Fallback xmlns="">
+    <mc:Fallback>
       <p:transition spd="slow">
         <p:fade/>
       </p:transition>

--- a/PB13209115 李京 毕业答辩.pptx
+++ b/PB13209115 李京 毕业答辩.pptx
@@ -2279,7 +2279,7 @@
         </p:nvSpPr>
         <p:spPr>
           <a:xfrm>
-            <a:off x="3165443" y="5734982"/>
+            <a:off x="3165443" y="5156913"/>
             <a:ext cx="5772586" cy="647272"/>
           </a:xfrm>
           <a:prstGeom prst="rect">
@@ -2493,7 +2493,7 @@
         </p:blipFill>
         <p:spPr>
           <a:xfrm>
-            <a:off x="4883522" y="2949083"/>
+            <a:off x="4883522" y="2055704"/>
             <a:ext cx="2336428" cy="2336428"/>
           </a:xfrm>
           <a:prstGeom prst="rect">
@@ -2548,7 +2548,7 @@
         <p:spPr>
           <a:xfrm>
             <a:off x="0" y="2706"/>
-            <a:ext cx="7865616" cy="6855293"/>
+            <a:ext cx="9108489" cy="6855293"/>
           </a:xfrm>
           <a:prstGeom prst="rect">
             <a:avLst/>
@@ -2644,13 +2644,13 @@
         </p:nvSpPr>
         <p:spPr>
           <a:xfrm>
-            <a:off x="960722" y="4572000"/>
-            <a:ext cx="5772586" cy="1086659"/>
+            <a:off x="960722" y="4306332"/>
+            <a:ext cx="5772586" cy="1281447"/>
           </a:xfrm>
         </p:spPr>
         <p:txBody>
           <a:bodyPr>
-            <a:normAutofit/>
+            <a:normAutofit lnSpcReduction="10000"/>
           </a:bodyPr>
           <a:lstStyle/>
           <a:p>
@@ -2691,6 +2691,22 @@
               <a:latin typeface="+mj-ea"/>
               <a:ea typeface="+mj-ea"/>
             </a:endParaRPr>
+          </a:p>
+          <a:p>
+            <a:r>
+              <a:rPr kumimoji="1" lang="zh-CN" altLang="en-US" sz="1600" dirty="0">
+                <a:latin typeface="+mj-ea"/>
+                <a:ea typeface="+mj-ea"/>
+              </a:rPr>
+              <a:t>学号：</a:t>
+            </a:r>
+            <a:r>
+              <a:rPr kumimoji="1" lang="en-US" altLang="zh-CN" sz="1600" dirty="0">
+                <a:latin typeface="+mj-ea"/>
+                <a:ea typeface="+mj-ea"/>
+              </a:rPr>
+              <a:t>PB13209115</a:t>
+            </a:r>
           </a:p>
         </p:txBody>
       </p:sp>
@@ -3110,13 +3126,13 @@
   <p:clrMapOvr>
     <a:masterClrMapping/>
   </p:clrMapOvr>
-  <mc:AlternateContent xmlns:mc="http://schemas.openxmlformats.org/markup-compatibility/2006">
-    <mc:Choice xmlns:p14="http://schemas.microsoft.com/office/powerpoint/2010/main" Requires="p14">
+  <mc:AlternateContent xmlns:mc="http://schemas.openxmlformats.org/markup-compatibility/2006" xmlns:p14="http://schemas.microsoft.com/office/powerpoint/2010/main">
+    <mc:Choice Requires="p14">
       <p:transition spd="med" p14:dur="700">
         <p:fade/>
       </p:transition>
     </mc:Choice>
-    <mc:Fallback>
+    <mc:Fallback xmlns="">
       <p:transition spd="med">
         <p:fade/>
       </p:transition>
@@ -3720,24 +3736,70 @@
                                   </p:childTnLst>
                                 </p:cTn>
                               </p:par>
+                              <p:par>
+                                <p:cTn id="42" presetID="10" presetClass="entr" presetSubtype="0" fill="hold" nodeType="withEffect">
+                                  <p:stCondLst>
+                                    <p:cond delay="1500"/>
+                                  </p:stCondLst>
+                                  <p:iterate type="wd">
+                                    <p:tmPct val="10000"/>
+                                  </p:iterate>
+                                  <p:childTnLst>
+                                    <p:set>
+                                      <p:cBhvr>
+                                        <p:cTn id="43" dur="1" fill="hold">
+                                          <p:stCondLst>
+                                            <p:cond delay="0"/>
+                                          </p:stCondLst>
+                                        </p:cTn>
+                                        <p:tgtEl>
+                                          <p:spTgt spid="4">
+                                            <p:txEl>
+                                              <p:pRg st="3" end="3"/>
+                                            </p:txEl>
+                                          </p:spTgt>
+                                        </p:tgtEl>
+                                        <p:attrNameLst>
+                                          <p:attrName>style.visibility</p:attrName>
+                                        </p:attrNameLst>
+                                      </p:cBhvr>
+                                      <p:to>
+                                        <p:strVal val="visible"/>
+                                      </p:to>
+                                    </p:set>
+                                    <p:animEffect transition="in" filter="fade">
+                                      <p:cBhvr>
+                                        <p:cTn id="44" dur="500"/>
+                                        <p:tgtEl>
+                                          <p:spTgt spid="4">
+                                            <p:txEl>
+                                              <p:pRg st="3" end="3"/>
+                                            </p:txEl>
+                                          </p:spTgt>
+                                        </p:tgtEl>
+                                      </p:cBhvr>
+                                    </p:animEffect>
+                                  </p:childTnLst>
+                                </p:cTn>
+                              </p:par>
                             </p:childTnLst>
                           </p:cTn>
                         </p:par>
                         <p:par>
-                          <p:cTn id="42" fill="hold">
+                          <p:cTn id="45" fill="hold">
                             <p:stCondLst>
-                              <p:cond delay="3850"/>
+                              <p:cond delay="4300"/>
                             </p:stCondLst>
                             <p:childTnLst>
                               <p:par>
-                                <p:cTn id="43" presetID="10" presetClass="entr" presetSubtype="0" fill="hold" nodeType="afterEffect">
+                                <p:cTn id="46" presetID="10" presetClass="entr" presetSubtype="0" fill="hold" nodeType="afterEffect">
                                   <p:stCondLst>
                                     <p:cond delay="0"/>
                                   </p:stCondLst>
                                   <p:childTnLst>
                                     <p:set>
                                       <p:cBhvr>
-                                        <p:cTn id="44" dur="1" fill="hold">
+                                        <p:cTn id="47" dur="1" fill="hold">
                                           <p:stCondLst>
                                             <p:cond delay="0"/>
                                           </p:stCondLst>
@@ -3755,7 +3817,7 @@
                                     </p:set>
                                     <p:animEffect transition="in" filter="fade">
                                       <p:cBhvr>
-                                        <p:cTn id="45" dur="500"/>
+                                        <p:cTn id="48" dur="500"/>
                                         <p:tgtEl>
                                           <p:spTgt spid="15"/>
                                         </p:tgtEl>
@@ -4147,13 +4209,13 @@
   <p:clrMapOvr>
     <a:masterClrMapping/>
   </p:clrMapOvr>
-  <mc:AlternateContent xmlns:mc="http://schemas.openxmlformats.org/markup-compatibility/2006">
-    <mc:Choice xmlns:p14="http://schemas.microsoft.com/office/powerpoint/2010/main" Requires="p14">
+  <mc:AlternateContent xmlns:mc="http://schemas.openxmlformats.org/markup-compatibility/2006" xmlns:p14="http://schemas.microsoft.com/office/powerpoint/2010/main">
+    <mc:Choice Requires="p14">
       <p:transition spd="slow">
         <p14:prism isInverted="1"/>
       </p:transition>
     </mc:Choice>
-    <mc:Fallback>
+    <mc:Fallback xmlns="">
       <p:transition spd="slow">
         <p:fade/>
       </p:transition>

--- a/PB13209115 李京 毕业答辩.pptx
+++ b/PB13209115 李京 毕业答辩.pptx
@@ -2589,51 +2589,6 @@
       </p:sp>
       <p:sp>
         <p:nvSpPr>
-          <p:cNvPr id="3" name="文本占位符 2"/>
-          <p:cNvSpPr>
-            <a:spLocks noGrp="1"/>
-          </p:cNvSpPr>
-          <p:nvPr>
-            <p:ph type="body" sz="quarter" idx="11"/>
-          </p:nvPr>
-        </p:nvSpPr>
-        <p:spPr>
-          <a:xfrm>
-            <a:off x="960722" y="1900825"/>
-            <a:ext cx="5772586" cy="1260629"/>
-          </a:xfrm>
-        </p:spPr>
-        <p:txBody>
-          <a:bodyPr>
-            <a:normAutofit/>
-          </a:bodyPr>
-          <a:lstStyle/>
-          <a:p>
-            <a:r>
-              <a:rPr kumimoji="1" lang="zh-CN" altLang="en-US" sz="3200" dirty="0">
-                <a:latin typeface="+mj-ea"/>
-                <a:ea typeface="+mj-ea"/>
-              </a:rPr>
-              <a:t>基于深度卷积网络的</a:t>
-            </a:r>
-            <a:endParaRPr kumimoji="1" lang="en-US" altLang="zh-CN" sz="3200" dirty="0">
-              <a:latin typeface="+mj-ea"/>
-              <a:ea typeface="+mj-ea"/>
-            </a:endParaRPr>
-          </a:p>
-          <a:p>
-            <a:r>
-              <a:rPr kumimoji="1" lang="zh-CN" altLang="en-US" sz="3200" dirty="0">
-                <a:latin typeface="+mj-ea"/>
-                <a:ea typeface="+mj-ea"/>
-              </a:rPr>
-              <a:t>图像去噪研究</a:t>
-            </a:r>
-          </a:p>
-        </p:txBody>
-      </p:sp>
-      <p:sp>
-        <p:nvSpPr>
           <p:cNvPr id="4" name="文本占位符 3"/>
           <p:cNvSpPr>
             <a:spLocks noGrp="1"/>
@@ -2644,13 +2599,13 @@
         </p:nvSpPr>
         <p:spPr>
           <a:xfrm>
-            <a:off x="960722" y="4306332"/>
-            <a:ext cx="5772586" cy="1281447"/>
+            <a:off x="960722" y="4151542"/>
+            <a:ext cx="5772586" cy="1436238"/>
           </a:xfrm>
         </p:spPr>
         <p:txBody>
           <a:bodyPr>
-            <a:normAutofit lnSpcReduction="10000"/>
+            <a:noAutofit/>
           </a:bodyPr>
           <a:lstStyle/>
           <a:p>
@@ -2720,8 +2675,8 @@
         </p:nvSpPr>
         <p:spPr>
           <a:xfrm>
-            <a:off x="960722" y="3211011"/>
-            <a:ext cx="5555488" cy="900932"/>
+            <a:off x="960722" y="2748693"/>
+            <a:ext cx="5555488" cy="1065326"/>
           </a:xfrm>
           <a:prstGeom prst="rect">
             <a:avLst/>
@@ -2729,7 +2684,7 @@
         </p:spPr>
         <p:txBody>
           <a:bodyPr vert="horz" lIns="91440" tIns="45720" rIns="91440" bIns="45720" rtlCol="0" anchor="t">
-            <a:normAutofit lnSpcReduction="10000"/>
+            <a:normAutofit/>
           </a:bodyPr>
           <a:lstStyle>
             <a:lvl1pPr marL="0" indent="0" algn="l" defTabSz="914400" rtl="0" eaLnBrk="1" latinLnBrk="0" hangingPunct="1">
@@ -2899,7 +2854,7 @@
           </a:lstStyle>
           <a:p>
             <a:r>
-              <a:rPr kumimoji="1" lang="en-US" altLang="zh-CN" sz="1400" dirty="0">
+              <a:rPr kumimoji="1" lang="en-US" altLang="zh-CN" sz="1600" dirty="0">
                 <a:ea typeface="+mj-ea"/>
               </a:rPr>
               <a:t>Research on Picture Noise </a:t>
@@ -2907,7 +2862,7 @@
           </a:p>
           <a:p>
             <a:r>
-              <a:rPr kumimoji="1" lang="en-US" altLang="zh-CN" sz="1400" dirty="0">
+              <a:rPr kumimoji="1" lang="en-US" altLang="zh-CN" sz="1600" dirty="0">
                 <a:ea typeface="+mj-ea"/>
               </a:rPr>
               <a:t>Reduction Based</a:t>
@@ -2915,12 +2870,12 @@
           </a:p>
           <a:p>
             <a:r>
-              <a:rPr kumimoji="1" lang="en-US" altLang="zh-CN" sz="1400" dirty="0">
+              <a:rPr kumimoji="1" lang="en-US" altLang="zh-CN" sz="1600" dirty="0">
                 <a:ea typeface="+mj-ea"/>
               </a:rPr>
               <a:t>Deep Convolution Network</a:t>
             </a:r>
-            <a:endParaRPr kumimoji="1" lang="zh-CN" altLang="en-US" sz="1400" dirty="0">
+            <a:endParaRPr kumimoji="1" lang="zh-CN" altLang="en-US" sz="1600" dirty="0">
               <a:ea typeface="+mj-ea"/>
             </a:endParaRPr>
           </a:p>
@@ -2934,8 +2889,8 @@
         </p:nvSpPr>
         <p:spPr>
           <a:xfrm>
-            <a:off x="873760" y="-274384"/>
-            <a:ext cx="4958080" cy="1881242"/>
+            <a:off x="619760" y="-118430"/>
+            <a:ext cx="4958080" cy="1976794"/>
           </a:xfrm>
           <a:prstGeom prst="rect">
             <a:avLst/>
@@ -2982,7 +2937,7 @@
         </p:nvGrpSpPr>
         <p:grpSpPr>
           <a:xfrm>
-            <a:off x="960722" y="5864016"/>
+            <a:off x="960722" y="5738520"/>
             <a:ext cx="2972086" cy="484369"/>
             <a:chOff x="960722" y="5864016"/>
             <a:chExt cx="2972086" cy="484369"/>
@@ -3049,38 +3004,6 @@
           </p:spPr>
         </p:pic>
       </p:grpSp>
-      <p:sp>
-        <p:nvSpPr>
-          <p:cNvPr id="2" name="文本占位符 1"/>
-          <p:cNvSpPr>
-            <a:spLocks noGrp="1"/>
-          </p:cNvSpPr>
-          <p:nvPr>
-            <p:ph type="body" sz="quarter" idx="10"/>
-          </p:nvPr>
-        </p:nvSpPr>
-        <p:spPr>
-          <a:xfrm>
-            <a:off x="960723" y="822850"/>
-            <a:ext cx="5772586" cy="647272"/>
-          </a:xfrm>
-        </p:spPr>
-        <p:txBody>
-          <a:bodyPr>
-            <a:normAutofit/>
-          </a:bodyPr>
-          <a:lstStyle/>
-          <a:p>
-            <a:r>
-              <a:rPr kumimoji="1" lang="zh-CN" altLang="en-US" sz="3600" dirty="0">
-                <a:latin typeface="+mj-ea"/>
-                <a:ea typeface="+mj-ea"/>
-              </a:rPr>
-              <a:t>本科生毕业答辩</a:t>
-            </a:r>
-          </a:p>
-        </p:txBody>
-      </p:sp>
       <p:cxnSp>
         <p:nvCxnSpPr>
           <p:cNvPr id="7" name="直接连接符 6"/>
@@ -3089,7 +3012,7 @@
         </p:nvCxnSpPr>
         <p:spPr>
           <a:xfrm>
-            <a:off x="960722" y="1606858"/>
+            <a:off x="960722" y="2505430"/>
             <a:ext cx="4507923" cy="0"/>
           </a:xfrm>
           <a:prstGeom prst="line">
@@ -3116,6 +3039,51 @@
           </a:fontRef>
         </p:style>
       </p:cxnSp>
+      <p:sp>
+        <p:nvSpPr>
+          <p:cNvPr id="3" name="文本占位符 2"/>
+          <p:cNvSpPr>
+            <a:spLocks noGrp="1"/>
+          </p:cNvSpPr>
+          <p:nvPr>
+            <p:ph type="body" sz="quarter" idx="11"/>
+          </p:nvPr>
+        </p:nvSpPr>
+        <p:spPr>
+          <a:xfrm>
+            <a:off x="960722" y="996505"/>
+            <a:ext cx="5772586" cy="1260629"/>
+          </a:xfrm>
+        </p:spPr>
+        <p:txBody>
+          <a:bodyPr>
+            <a:normAutofit/>
+          </a:bodyPr>
+          <a:lstStyle/>
+          <a:p>
+            <a:r>
+              <a:rPr kumimoji="1" lang="zh-CN" altLang="en-US" sz="3600" dirty="0">
+                <a:latin typeface="+mj-ea"/>
+                <a:ea typeface="+mj-ea"/>
+              </a:rPr>
+              <a:t>基于深度卷积网络的</a:t>
+            </a:r>
+            <a:endParaRPr kumimoji="1" lang="en-US" altLang="zh-CN" sz="3600" dirty="0">
+              <a:latin typeface="+mj-ea"/>
+              <a:ea typeface="+mj-ea"/>
+            </a:endParaRPr>
+          </a:p>
+          <a:p>
+            <a:r>
+              <a:rPr kumimoji="1" lang="zh-CN" altLang="en-US" sz="3600" dirty="0">
+                <a:latin typeface="+mj-ea"/>
+                <a:ea typeface="+mj-ea"/>
+              </a:rPr>
+              <a:t>图像去噪研究</a:t>
+            </a:r>
+          </a:p>
+        </p:txBody>
+      </p:sp>
     </p:spTree>
     <p:extLst>
       <p:ext uri="{BB962C8B-B14F-4D97-AF65-F5344CB8AC3E}">
@@ -3279,7 +3247,7 @@
                                 </p:cTn>
                               </p:par>
                               <p:par>
-                                <p:cTn id="13" presetID="22" presetClass="entr" presetSubtype="8" fill="hold" grpId="0" nodeType="withEffect">
+                                <p:cTn id="13" presetID="1" presetClass="entr" presetSubtype="0" fill="hold" grpId="0" nodeType="withEffect">
                                   <p:stCondLst>
                                     <p:cond delay="0"/>
                                   </p:stCondLst>
@@ -3287,49 +3255,6 @@
                                     <p:set>
                                       <p:cBhvr>
                                         <p:cTn id="14" dur="1" fill="hold">
-                                          <p:stCondLst>
-                                            <p:cond delay="0"/>
-                                          </p:stCondLst>
-                                        </p:cTn>
-                                        <p:tgtEl>
-                                          <p:spTgt spid="2">
-                                            <p:txEl>
-                                              <p:pRg st="0" end="0"/>
-                                            </p:txEl>
-                                          </p:spTgt>
-                                        </p:tgtEl>
-                                        <p:attrNameLst>
-                                          <p:attrName>style.visibility</p:attrName>
-                                        </p:attrNameLst>
-                                      </p:cBhvr>
-                                      <p:to>
-                                        <p:strVal val="visible"/>
-                                      </p:to>
-                                    </p:set>
-                                    <p:animEffect transition="in" filter="wipe(left)">
-                                      <p:cBhvr>
-                                        <p:cTn id="15" dur="500"/>
-                                        <p:tgtEl>
-                                          <p:spTgt spid="2">
-                                            <p:txEl>
-                                              <p:pRg st="0" end="0"/>
-                                            </p:txEl>
-                                          </p:spTgt>
-                                        </p:tgtEl>
-                                      </p:cBhvr>
-                                    </p:animEffect>
-                                  </p:childTnLst>
-                                </p:cTn>
-                              </p:par>
-                              <p:par>
-                                <p:cTn id="16" presetID="1" presetClass="entr" presetSubtype="0" fill="hold" grpId="0" nodeType="withEffect">
-                                  <p:stCondLst>
-                                    <p:cond delay="0"/>
-                                  </p:stCondLst>
-                                  <p:childTnLst>
-                                    <p:set>
-                                      <p:cBhvr>
-                                        <p:cTn id="17" dur="1" fill="hold">
                                           <p:stCondLst>
                                             <p:cond delay="0"/>
                                           </p:stCondLst>
@@ -3349,14 +3274,14 @@
                                 </p:cTn>
                               </p:par>
                               <p:par>
-                                <p:cTn id="18" presetID="47" presetClass="entr" presetSubtype="0" fill="hold" nodeType="withEffect">
+                                <p:cTn id="15" presetID="47" presetClass="entr" presetSubtype="0" fill="hold" nodeType="withEffect">
                                   <p:stCondLst>
                                     <p:cond delay="0"/>
                                   </p:stCondLst>
                                   <p:childTnLst>
                                     <p:set>
                                       <p:cBhvr>
-                                        <p:cTn id="19" dur="1" fill="hold">
+                                        <p:cTn id="16" dur="1" fill="hold">
                                           <p:stCondLst>
                                             <p:cond delay="0"/>
                                           </p:stCondLst>
@@ -3378,7 +3303,7 @@
                                     </p:set>
                                     <p:animEffect transition="in" filter="fade">
                                       <p:cBhvr>
-                                        <p:cTn id="20" dur="500"/>
+                                        <p:cTn id="17" dur="500"/>
                                         <p:tgtEl>
                                           <p:spTgt spid="3">
                                             <p:txEl>
@@ -3390,7 +3315,7 @@
                                     </p:animEffect>
                                     <p:anim calcmode="lin" valueType="num">
                                       <p:cBhvr>
-                                        <p:cTn id="21" dur="500" fill="hold"/>
+                                        <p:cTn id="18" dur="500" fill="hold"/>
                                         <p:tgtEl>
                                           <p:spTgt spid="3">
                                             <p:txEl>
@@ -3417,7 +3342,7 @@
                                     </p:anim>
                                     <p:anim calcmode="lin" valueType="num">
                                       <p:cBhvr>
-                                        <p:cTn id="22" dur="500" fill="hold"/>
+                                        <p:cTn id="19" dur="500" fill="hold"/>
                                         <p:tgtEl>
                                           <p:spTgt spid="3">
                                             <p:txEl>
@@ -3446,14 +3371,14 @@
                                 </p:cTn>
                               </p:par>
                               <p:par>
-                                <p:cTn id="23" presetID="47" presetClass="entr" presetSubtype="0" fill="hold" nodeType="withEffect">
+                                <p:cTn id="20" presetID="47" presetClass="entr" presetSubtype="0" fill="hold" nodeType="withEffect">
                                   <p:stCondLst>
                                     <p:cond delay="0"/>
                                   </p:stCondLst>
                                   <p:childTnLst>
                                     <p:set>
                                       <p:cBhvr>
-                                        <p:cTn id="24" dur="1" fill="hold">
+                                        <p:cTn id="21" dur="1" fill="hold">
                                           <p:stCondLst>
                                             <p:cond delay="0"/>
                                           </p:stCondLst>
@@ -3475,7 +3400,7 @@
                                     </p:set>
                                     <p:animEffect transition="in" filter="fade">
                                       <p:cBhvr>
-                                        <p:cTn id="25" dur="500"/>
+                                        <p:cTn id="22" dur="500"/>
                                         <p:tgtEl>
                                           <p:spTgt spid="3">
                                             <p:txEl>
@@ -3487,7 +3412,7 @@
                                     </p:animEffect>
                                     <p:anim calcmode="lin" valueType="num">
                                       <p:cBhvr>
-                                        <p:cTn id="26" dur="500" fill="hold"/>
+                                        <p:cTn id="23" dur="500" fill="hold"/>
                                         <p:tgtEl>
                                           <p:spTgt spid="3">
                                             <p:txEl>
@@ -3514,7 +3439,7 @@
                                     </p:anim>
                                     <p:anim calcmode="lin" valueType="num">
                                       <p:cBhvr>
-                                        <p:cTn id="27" dur="500" fill="hold"/>
+                                        <p:cTn id="24" dur="500" fill="hold"/>
                                         <p:tgtEl>
                                           <p:spTgt spid="3">
                                             <p:txEl>
@@ -3542,17 +3467,8 @@
                                   </p:childTnLst>
                                 </p:cTn>
                               </p:par>
-                            </p:childTnLst>
-                          </p:cTn>
-                        </p:par>
-                        <p:par>
-                          <p:cTn id="28" fill="hold">
-                            <p:stCondLst>
-                              <p:cond delay="1250"/>
-                            </p:stCondLst>
-                            <p:childTnLst>
                               <p:par>
-                                <p:cTn id="29" presetID="10" presetClass="entr" presetSubtype="0" fill="hold" grpId="0" nodeType="afterEffect">
+                                <p:cTn id="25" presetID="10" presetClass="entr" presetSubtype="0" fill="hold" grpId="0" nodeType="withEffect">
                                   <p:stCondLst>
                                     <p:cond delay="0"/>
                                   </p:stCondLst>
@@ -3562,7 +3478,7 @@
                                   <p:childTnLst>
                                     <p:set>
                                       <p:cBhvr>
-                                        <p:cTn id="30" dur="1" fill="hold">
+                                        <p:cTn id="26" dur="1" fill="hold">
                                           <p:stCondLst>
                                             <p:cond delay="0"/>
                                           </p:stCondLst>
@@ -3580,7 +3496,7 @@
                                     </p:set>
                                     <p:animEffect transition="in" filter="fade">
                                       <p:cBhvr>
-                                        <p:cTn id="31" dur="500"/>
+                                        <p:cTn id="27" dur="500"/>
                                         <p:tgtEl>
                                           <p:spTgt spid="5"/>
                                         </p:tgtEl>
@@ -3593,13 +3509,13 @@
                           </p:cTn>
                         </p:par>
                         <p:par>
-                          <p:cTn id="32" fill="hold">
+                          <p:cTn id="28" fill="hold">
                             <p:stCondLst>
-                              <p:cond delay="2150"/>
+                              <p:cond delay="1400"/>
                             </p:stCondLst>
                             <p:childTnLst>
                               <p:par>
-                                <p:cTn id="33" presetID="10" presetClass="entr" presetSubtype="0" fill="hold" nodeType="afterEffect">
+                                <p:cTn id="29" presetID="10" presetClass="entr" presetSubtype="0" fill="hold" nodeType="afterEffect">
                                   <p:stCondLst>
                                     <p:cond delay="0"/>
                                   </p:stCondLst>
@@ -3609,7 +3525,7 @@
                                   <p:childTnLst>
                                     <p:set>
                                       <p:cBhvr>
-                                        <p:cTn id="34" dur="1" fill="hold">
+                                        <p:cTn id="30" dur="1" fill="hold">
                                           <p:stCondLst>
                                             <p:cond delay="0"/>
                                           </p:stCondLst>
@@ -3631,7 +3547,7 @@
                                     </p:set>
                                     <p:animEffect transition="in" filter="fade">
                                       <p:cBhvr>
-                                        <p:cTn id="35" dur="500"/>
+                                        <p:cTn id="31" dur="500"/>
                                         <p:tgtEl>
                                           <p:spTgt spid="4">
                                             <p:txEl>
@@ -3645,7 +3561,7 @@
                                 </p:cTn>
                               </p:par>
                               <p:par>
-                                <p:cTn id="36" presetID="10" presetClass="entr" presetSubtype="0" fill="hold" nodeType="withEffect">
+                                <p:cTn id="32" presetID="10" presetClass="entr" presetSubtype="0" fill="hold" nodeType="withEffect">
                                   <p:stCondLst>
                                     <p:cond delay="500"/>
                                   </p:stCondLst>
@@ -3655,7 +3571,7 @@
                                   <p:childTnLst>
                                     <p:set>
                                       <p:cBhvr>
-                                        <p:cTn id="37" dur="1" fill="hold">
+                                        <p:cTn id="33" dur="1" fill="hold">
                                           <p:stCondLst>
                                             <p:cond delay="0"/>
                                           </p:stCondLst>
@@ -3677,7 +3593,7 @@
                                     </p:set>
                                     <p:animEffect transition="in" filter="fade">
                                       <p:cBhvr>
-                                        <p:cTn id="38" dur="500"/>
+                                        <p:cTn id="34" dur="500"/>
                                         <p:tgtEl>
                                           <p:spTgt spid="4">
                                             <p:txEl>
@@ -3691,7 +3607,7 @@
                                 </p:cTn>
                               </p:par>
                               <p:par>
-                                <p:cTn id="39" presetID="10" presetClass="entr" presetSubtype="0" fill="hold" nodeType="withEffect">
+                                <p:cTn id="35" presetID="10" presetClass="entr" presetSubtype="0" fill="hold" nodeType="withEffect">
                                   <p:stCondLst>
                                     <p:cond delay="1000"/>
                                   </p:stCondLst>
@@ -3701,7 +3617,7 @@
                                   <p:childTnLst>
                                     <p:set>
                                       <p:cBhvr>
-                                        <p:cTn id="40" dur="1" fill="hold">
+                                        <p:cTn id="36" dur="1" fill="hold">
                                           <p:stCondLst>
                                             <p:cond delay="0"/>
                                           </p:stCondLst>
@@ -3723,7 +3639,7 @@
                                     </p:set>
                                     <p:animEffect transition="in" filter="fade">
                                       <p:cBhvr>
-                                        <p:cTn id="41" dur="500"/>
+                                        <p:cTn id="37" dur="500"/>
                                         <p:tgtEl>
                                           <p:spTgt spid="4">
                                             <p:txEl>
@@ -3737,7 +3653,7 @@
                                 </p:cTn>
                               </p:par>
                               <p:par>
-                                <p:cTn id="42" presetID="10" presetClass="entr" presetSubtype="0" fill="hold" nodeType="withEffect">
+                                <p:cTn id="38" presetID="10" presetClass="entr" presetSubtype="0" fill="hold" nodeType="withEffect">
                                   <p:stCondLst>
                                     <p:cond delay="1500"/>
                                   </p:stCondLst>
@@ -3747,7 +3663,7 @@
                                   <p:childTnLst>
                                     <p:set>
                                       <p:cBhvr>
-                                        <p:cTn id="43" dur="1" fill="hold">
+                                        <p:cTn id="39" dur="1" fill="hold">
                                           <p:stCondLst>
                                             <p:cond delay="0"/>
                                           </p:stCondLst>
@@ -3769,7 +3685,7 @@
                                     </p:set>
                                     <p:animEffect transition="in" filter="fade">
                                       <p:cBhvr>
-                                        <p:cTn id="44" dur="500"/>
+                                        <p:cTn id="40" dur="500"/>
                                         <p:tgtEl>
                                           <p:spTgt spid="4">
                                             <p:txEl>
@@ -3786,20 +3702,20 @@
                           </p:cTn>
                         </p:par>
                         <p:par>
-                          <p:cTn id="45" fill="hold">
+                          <p:cTn id="41" fill="hold">
                             <p:stCondLst>
-                              <p:cond delay="4300"/>
+                              <p:cond delay="3550"/>
                             </p:stCondLst>
                             <p:childTnLst>
                               <p:par>
-                                <p:cTn id="46" presetID="10" presetClass="entr" presetSubtype="0" fill="hold" nodeType="afterEffect">
+                                <p:cTn id="42" presetID="10" presetClass="entr" presetSubtype="0" fill="hold" nodeType="afterEffect">
                                   <p:stCondLst>
                                     <p:cond delay="0"/>
                                   </p:stCondLst>
                                   <p:childTnLst>
                                     <p:set>
                                       <p:cBhvr>
-                                        <p:cTn id="47" dur="1" fill="hold">
+                                        <p:cTn id="43" dur="1" fill="hold">
                                           <p:stCondLst>
                                             <p:cond delay="0"/>
                                           </p:stCondLst>
@@ -3817,7 +3733,7 @@
                                     </p:set>
                                     <p:animEffect transition="in" filter="fade">
                                       <p:cBhvr>
-                                        <p:cTn id="48" dur="500"/>
+                                        <p:cTn id="44" dur="500"/>
                                         <p:tgtEl>
                                           <p:spTgt spid="15"/>
                                         </p:tgtEl>
@@ -3857,7 +3773,6 @@
       <p:bldP spid="8" grpId="0" animBg="1"/>
       <p:bldP spid="5" grpId="0"/>
       <p:bldP spid="16" grpId="0" animBg="1"/>
-      <p:bldP spid="2" grpId="0" build="p"/>
     </p:bldLst>
   </p:timing>
 </p:sld>
